--- a/Desafio 1 - Presentacion Grupo 6.pptx
+++ b/Desafio 1 - Presentacion Grupo 6.pptx
@@ -14,6 +14,9 @@
     <p:sldId id="264" r:id="rId8"/>
     <p:sldId id="263" r:id="rId9"/>
     <p:sldId id="260" r:id="rId10"/>
+    <p:sldId id="268" r:id="rId11"/>
+    <p:sldId id="269" r:id="rId12"/>
+    <p:sldId id="270" r:id="rId13"/>
   </p:sldIdLst>
   <p:sldSz cx="12192000" cy="6858000"/>
   <p:notesSz cx="6858000" cy="9144000"/>
@@ -112,6 +115,11 @@
       </a:defRPr>
     </a:lvl9pPr>
   </p:defaultTextStyle>
+  <p:extLst>
+    <p:ext uri="{EFAFB233-063F-42B5-8137-9DF3F51BA10A}">
+      <p15:sldGuideLst xmlns:p15="http://schemas.microsoft.com/office/powerpoint/2012/main"/>
+    </p:ext>
+  </p:extLst>
 </p:presentation>
 </file>
 
@@ -304,7 +312,7 @@
             <a:fld id="{B61BEF0D-F0BB-DE4B-95CE-6DB70DBA9567}" type="datetimeFigureOut">
               <a:rPr lang="en-US" dirty="0"/>
               <a:pPr/>
-              <a:t>3/29/2019</a:t>
+              <a:t>4/3/2019</a:t>
             </a:fld>
             <a:endParaRPr lang="en-US" dirty="0"/>
           </a:p>
@@ -639,7 +647,7 @@
             <a:fld id="{B61BEF0D-F0BB-DE4B-95CE-6DB70DBA9567}" type="datetimeFigureOut">
               <a:rPr lang="en-US" dirty="0"/>
               <a:pPr/>
-              <a:t>3/29/2019</a:t>
+              <a:t>4/3/2019</a:t>
             </a:fld>
             <a:endParaRPr lang="en-US" dirty="0"/>
           </a:p>
@@ -1037,7 +1045,7 @@
             <a:fld id="{B61BEF0D-F0BB-DE4B-95CE-6DB70DBA9567}" type="datetimeFigureOut">
               <a:rPr lang="en-US" dirty="0"/>
               <a:pPr/>
-              <a:t>3/29/2019</a:t>
+              <a:t>4/3/2019</a:t>
             </a:fld>
             <a:endParaRPr lang="en-US" dirty="0"/>
           </a:p>
@@ -1370,7 +1378,7 @@
             <a:fld id="{B61BEF0D-F0BB-DE4B-95CE-6DB70DBA9567}" type="datetimeFigureOut">
               <a:rPr lang="en-US" dirty="0"/>
               <a:pPr/>
-              <a:t>3/29/2019</a:t>
+              <a:t>4/3/2019</a:t>
             </a:fld>
             <a:endParaRPr lang="en-US" dirty="0"/>
           </a:p>
@@ -1687,7 +1695,7 @@
             <a:fld id="{B61BEF0D-F0BB-DE4B-95CE-6DB70DBA9567}" type="datetimeFigureOut">
               <a:rPr lang="en-US" dirty="0"/>
               <a:pPr/>
-              <a:t>3/29/2019</a:t>
+              <a:t>4/3/2019</a:t>
             </a:fld>
             <a:endParaRPr lang="en-US" dirty="0"/>
           </a:p>
@@ -2080,7 +2088,7 @@
             <a:fld id="{B61BEF0D-F0BB-DE4B-95CE-6DB70DBA9567}" type="datetimeFigureOut">
               <a:rPr lang="en-US" dirty="0"/>
               <a:pPr/>
-              <a:t>3/29/2019</a:t>
+              <a:t>4/3/2019</a:t>
             </a:fld>
             <a:endParaRPr lang="en-US" dirty="0"/>
           </a:p>
@@ -2334,7 +2342,7 @@
             <a:fld id="{B61BEF0D-F0BB-DE4B-95CE-6DB70DBA9567}" type="datetimeFigureOut">
               <a:rPr lang="en-US" dirty="0"/>
               <a:pPr/>
-              <a:t>3/29/2019</a:t>
+              <a:t>4/3/2019</a:t>
             </a:fld>
             <a:endParaRPr lang="en-US" dirty="0"/>
           </a:p>
@@ -2593,7 +2601,7 @@
             <a:fld id="{B61BEF0D-F0BB-DE4B-95CE-6DB70DBA9567}" type="datetimeFigureOut">
               <a:rPr lang="en-US" dirty="0"/>
               <a:pPr/>
-              <a:t>3/29/2019</a:t>
+              <a:t>4/3/2019</a:t>
             </a:fld>
             <a:endParaRPr lang="en-US" dirty="0"/>
           </a:p>
@@ -2852,7 +2860,7 @@
             <a:fld id="{B61BEF0D-F0BB-DE4B-95CE-6DB70DBA9567}" type="datetimeFigureOut">
               <a:rPr lang="en-US" dirty="0"/>
               <a:pPr/>
-              <a:t>3/29/2019</a:t>
+              <a:t>4/3/2019</a:t>
             </a:fld>
             <a:endParaRPr lang="en-US" dirty="0"/>
           </a:p>
@@ -3178,7 +3186,7 @@
             <a:fld id="{B61BEF0D-F0BB-DE4B-95CE-6DB70DBA9567}" type="datetimeFigureOut">
               <a:rPr lang="en-US" dirty="0"/>
               <a:pPr/>
-              <a:t>3/29/2019</a:t>
+              <a:t>4/3/2019</a:t>
             </a:fld>
             <a:endParaRPr lang="en-US" dirty="0"/>
           </a:p>
@@ -3498,7 +3506,7 @@
             <a:fld id="{B61BEF0D-F0BB-DE4B-95CE-6DB70DBA9567}" type="datetimeFigureOut">
               <a:rPr lang="en-US" dirty="0"/>
               <a:pPr/>
-              <a:t>3/29/2019</a:t>
+              <a:t>4/3/2019</a:t>
             </a:fld>
             <a:endParaRPr lang="en-US" dirty="0"/>
           </a:p>
@@ -3952,7 +3960,7 @@
             <a:fld id="{B61BEF0D-F0BB-DE4B-95CE-6DB70DBA9567}" type="datetimeFigureOut">
               <a:rPr lang="en-US" dirty="0"/>
               <a:pPr/>
-              <a:t>3/29/2019</a:t>
+              <a:t>4/3/2019</a:t>
             </a:fld>
             <a:endParaRPr lang="en-US" dirty="0"/>
           </a:p>
@@ -4154,7 +4162,7 @@
             <a:fld id="{B61BEF0D-F0BB-DE4B-95CE-6DB70DBA9567}" type="datetimeFigureOut">
               <a:rPr lang="en-US" dirty="0"/>
               <a:pPr/>
-              <a:t>3/29/2019</a:t>
+              <a:t>4/3/2019</a:t>
             </a:fld>
             <a:endParaRPr lang="en-US" dirty="0"/>
           </a:p>
@@ -4328,7 +4336,7 @@
             <a:fld id="{B61BEF0D-F0BB-DE4B-95CE-6DB70DBA9567}" type="datetimeFigureOut">
               <a:rPr lang="en-US" dirty="0"/>
               <a:pPr/>
-              <a:t>3/29/2019</a:t>
+              <a:t>4/3/2019</a:t>
             </a:fld>
             <a:endParaRPr lang="en-US" dirty="0"/>
           </a:p>
@@ -4658,7 +4666,7 @@
             <a:fld id="{B61BEF0D-F0BB-DE4B-95CE-6DB70DBA9567}" type="datetimeFigureOut">
               <a:rPr lang="en-US" dirty="0"/>
               <a:pPr/>
-              <a:t>3/29/2019</a:t>
+              <a:t>4/3/2019</a:t>
             </a:fld>
             <a:endParaRPr lang="en-US" dirty="0"/>
           </a:p>
@@ -5000,7 +5008,7 @@
             <a:fld id="{B61BEF0D-F0BB-DE4B-95CE-6DB70DBA9567}" type="datetimeFigureOut">
               <a:rPr lang="en-US" dirty="0"/>
               <a:pPr/>
-              <a:t>3/29/2019</a:t>
+              <a:t>4/3/2019</a:t>
             </a:fld>
             <a:endParaRPr lang="en-US" dirty="0"/>
           </a:p>
@@ -7114,7 +7122,7 @@
             <a:fld id="{B61BEF0D-F0BB-DE4B-95CE-6DB70DBA9567}" type="datetimeFigureOut">
               <a:rPr lang="en-US" dirty="0"/>
               <a:pPr/>
-              <a:t>3/29/2019</a:t>
+              <a:t>4/3/2019</a:t>
             </a:fld>
             <a:endParaRPr lang="en-US" dirty="0"/>
           </a:p>
@@ -7993,6 +8001,387 @@
 </p:sld>
 </file>
 
+<file path=ppt/slides/slide10.xml><?xml version="1.0" encoding="utf-8"?>
+<p:sld xmlns:a="http://schemas.openxmlformats.org/drawingml/2006/main" xmlns:r="http://schemas.openxmlformats.org/officeDocument/2006/relationships" xmlns:p="http://schemas.openxmlformats.org/presentationml/2006/main">
+  <p:cSld>
+    <p:spTree>
+      <p:nvGrpSpPr>
+        <p:cNvPr id="1" name=""/>
+        <p:cNvGrpSpPr/>
+        <p:nvPr/>
+      </p:nvGrpSpPr>
+      <p:grpSpPr>
+        <a:xfrm>
+          <a:off x="0" y="0"/>
+          <a:ext cx="0" cy="0"/>
+          <a:chOff x="0" y="0"/>
+          <a:chExt cx="0" cy="0"/>
+        </a:xfrm>
+      </p:grpSpPr>
+      <p:sp>
+        <p:nvSpPr>
+          <p:cNvPr id="2" name="Title 1">
+            <a:extLst>
+              <a:ext uri="{FF2B5EF4-FFF2-40B4-BE49-F238E27FC236}">
+                <a16:creationId xmlns:a16="http://schemas.microsoft.com/office/drawing/2014/main" id="{6C8C63F9-AEDE-44CB-A341-5CB419CAB2AB}"/>
+              </a:ext>
+            </a:extLst>
+          </p:cNvPr>
+          <p:cNvSpPr>
+            <a:spLocks noGrp="1"/>
+          </p:cNvSpPr>
+          <p:nvPr>
+            <p:ph type="title"/>
+          </p:nvPr>
+        </p:nvSpPr>
+        <p:spPr/>
+        <p:txBody>
+          <a:bodyPr/>
+          <a:lstStyle/>
+          <a:p>
+            <a:r>
+              <a:rPr lang="en-US" dirty="0" err="1"/>
+              <a:t>Precio</a:t>
+            </a:r>
+            <a:r>
+              <a:rPr lang="en-US" dirty="0"/>
+              <a:t> x metro </a:t>
+            </a:r>
+            <a:r>
+              <a:rPr lang="en-US" dirty="0" err="1"/>
+              <a:t>cuadrado</a:t>
+            </a:r>
+            <a:endParaRPr lang="en-US" dirty="0"/>
+          </a:p>
+        </p:txBody>
+      </p:sp>
+      <p:pic>
+        <p:nvPicPr>
+          <p:cNvPr id="4" name="Picture 3">
+            <a:extLst>
+              <a:ext uri="{FF2B5EF4-FFF2-40B4-BE49-F238E27FC236}">
+                <a16:creationId xmlns:a16="http://schemas.microsoft.com/office/drawing/2014/main" id="{7C114C3F-DF72-4E3B-BA89-95452ABE7A71}"/>
+              </a:ext>
+            </a:extLst>
+          </p:cNvPr>
+          <p:cNvPicPr>
+            <a:picLocks noChangeAspect="1"/>
+          </p:cNvPicPr>
+          <p:nvPr/>
+        </p:nvPicPr>
+        <p:blipFill>
+          <a:blip r:embed="rId2"/>
+          <a:stretch>
+            <a:fillRect/>
+          </a:stretch>
+        </p:blipFill>
+        <p:spPr>
+          <a:xfrm>
+            <a:off x="1069067" y="1905001"/>
+            <a:ext cx="5585505" cy="4953000"/>
+          </a:xfrm>
+          <a:prstGeom prst="rect">
+            <a:avLst/>
+          </a:prstGeom>
+        </p:spPr>
+      </p:pic>
+      <p:pic>
+        <p:nvPicPr>
+          <p:cNvPr id="5" name="Picture 4">
+            <a:extLst>
+              <a:ext uri="{FF2B5EF4-FFF2-40B4-BE49-F238E27FC236}">
+                <a16:creationId xmlns:a16="http://schemas.microsoft.com/office/drawing/2014/main" id="{4539FAA8-1AEB-4FCB-89CB-3A6607A5003F}"/>
+              </a:ext>
+            </a:extLst>
+          </p:cNvPr>
+          <p:cNvPicPr>
+            <a:picLocks noChangeAspect="1"/>
+          </p:cNvPicPr>
+          <p:nvPr/>
+        </p:nvPicPr>
+        <p:blipFill>
+          <a:blip r:embed="rId3"/>
+          <a:stretch>
+            <a:fillRect/>
+          </a:stretch>
+        </p:blipFill>
+        <p:spPr>
+          <a:xfrm>
+            <a:off x="6838632" y="1857375"/>
+            <a:ext cx="4448175" cy="5000625"/>
+          </a:xfrm>
+          <a:prstGeom prst="rect">
+            <a:avLst/>
+          </a:prstGeom>
+        </p:spPr>
+      </p:pic>
+    </p:spTree>
+    <p:extLst>
+      <p:ext uri="{BB962C8B-B14F-4D97-AF65-F5344CB8AC3E}">
+        <p14:creationId xmlns:p14="http://schemas.microsoft.com/office/powerpoint/2010/main" val="3649549001"/>
+      </p:ext>
+    </p:extLst>
+  </p:cSld>
+  <p:clrMapOvr>
+    <a:masterClrMapping/>
+  </p:clrMapOvr>
+</p:sld>
+</file>
+
+<file path=ppt/slides/slide11.xml><?xml version="1.0" encoding="utf-8"?>
+<p:sld xmlns:a="http://schemas.openxmlformats.org/drawingml/2006/main" xmlns:r="http://schemas.openxmlformats.org/officeDocument/2006/relationships" xmlns:p="http://schemas.openxmlformats.org/presentationml/2006/main">
+  <p:cSld>
+    <p:spTree>
+      <p:nvGrpSpPr>
+        <p:cNvPr id="1" name=""/>
+        <p:cNvGrpSpPr/>
+        <p:nvPr/>
+      </p:nvGrpSpPr>
+      <p:grpSpPr>
+        <a:xfrm>
+          <a:off x="0" y="0"/>
+          <a:ext cx="0" cy="0"/>
+          <a:chOff x="0" y="0"/>
+          <a:chExt cx="0" cy="0"/>
+        </a:xfrm>
+      </p:grpSpPr>
+      <p:sp>
+        <p:nvSpPr>
+          <p:cNvPr id="2" name="Title 1">
+            <a:extLst>
+              <a:ext uri="{FF2B5EF4-FFF2-40B4-BE49-F238E27FC236}">
+                <a16:creationId xmlns:a16="http://schemas.microsoft.com/office/drawing/2014/main" id="{6C8C63F9-AEDE-44CB-A341-5CB419CAB2AB}"/>
+              </a:ext>
+            </a:extLst>
+          </p:cNvPr>
+          <p:cNvSpPr>
+            <a:spLocks noGrp="1"/>
+          </p:cNvSpPr>
+          <p:nvPr>
+            <p:ph type="title"/>
+          </p:nvPr>
+        </p:nvSpPr>
+        <p:spPr/>
+        <p:txBody>
+          <a:bodyPr/>
+          <a:lstStyle/>
+          <a:p>
+            <a:r>
+              <a:rPr lang="en-US" dirty="0" err="1"/>
+              <a:t>Variacion</a:t>
+            </a:r>
+            <a:r>
+              <a:rPr lang="en-US" dirty="0"/>
+              <a:t> del </a:t>
+            </a:r>
+            <a:r>
+              <a:rPr lang="en-US" dirty="0" err="1"/>
+              <a:t>Precio</a:t>
+            </a:r>
+            <a:r>
+              <a:rPr lang="en-US" dirty="0"/>
+              <a:t> x metro </a:t>
+            </a:r>
+            <a:r>
+              <a:rPr lang="en-US" dirty="0" err="1"/>
+              <a:t>cuadrado</a:t>
+            </a:r>
+            <a:endParaRPr lang="en-US" dirty="0"/>
+          </a:p>
+        </p:txBody>
+      </p:sp>
+      <p:pic>
+        <p:nvPicPr>
+          <p:cNvPr id="7" name="Picture 6">
+            <a:extLst>
+              <a:ext uri="{FF2B5EF4-FFF2-40B4-BE49-F238E27FC236}">
+                <a16:creationId xmlns:a16="http://schemas.microsoft.com/office/drawing/2014/main" id="{FE1EDAF1-C502-4F94-A9B4-176A4D0F9602}"/>
+              </a:ext>
+            </a:extLst>
+          </p:cNvPr>
+          <p:cNvPicPr>
+            <a:picLocks noChangeAspect="1"/>
+          </p:cNvPicPr>
+          <p:nvPr/>
+        </p:nvPicPr>
+        <p:blipFill>
+          <a:blip r:embed="rId2"/>
+          <a:stretch>
+            <a:fillRect/>
+          </a:stretch>
+        </p:blipFill>
+        <p:spPr>
+          <a:xfrm>
+            <a:off x="6654572" y="1866900"/>
+            <a:ext cx="4114800" cy="4991100"/>
+          </a:xfrm>
+          <a:prstGeom prst="rect">
+            <a:avLst/>
+          </a:prstGeom>
+        </p:spPr>
+      </p:pic>
+      <p:pic>
+        <p:nvPicPr>
+          <p:cNvPr id="8" name="Picture 7">
+            <a:extLst>
+              <a:ext uri="{FF2B5EF4-FFF2-40B4-BE49-F238E27FC236}">
+                <a16:creationId xmlns:a16="http://schemas.microsoft.com/office/drawing/2014/main" id="{0937E87B-B736-4371-915E-4FF3A07B5CCD}"/>
+              </a:ext>
+            </a:extLst>
+          </p:cNvPr>
+          <p:cNvPicPr>
+            <a:picLocks noChangeAspect="1"/>
+          </p:cNvPicPr>
+          <p:nvPr/>
+        </p:nvPicPr>
+        <p:blipFill>
+          <a:blip r:embed="rId3"/>
+          <a:stretch>
+            <a:fillRect/>
+          </a:stretch>
+        </p:blipFill>
+        <p:spPr>
+          <a:xfrm>
+            <a:off x="1412697" y="1866900"/>
+            <a:ext cx="5095875" cy="4819650"/>
+          </a:xfrm>
+          <a:prstGeom prst="rect">
+            <a:avLst/>
+          </a:prstGeom>
+        </p:spPr>
+      </p:pic>
+    </p:spTree>
+    <p:extLst>
+      <p:ext uri="{BB962C8B-B14F-4D97-AF65-F5344CB8AC3E}">
+        <p14:creationId xmlns:p14="http://schemas.microsoft.com/office/powerpoint/2010/main" val="3614616112"/>
+      </p:ext>
+    </p:extLst>
+  </p:cSld>
+  <p:clrMapOvr>
+    <a:masterClrMapping/>
+  </p:clrMapOvr>
+</p:sld>
+</file>
+
+<file path=ppt/slides/slide12.xml><?xml version="1.0" encoding="utf-8"?>
+<p:sld xmlns:a="http://schemas.openxmlformats.org/drawingml/2006/main" xmlns:r="http://schemas.openxmlformats.org/officeDocument/2006/relationships" xmlns:p="http://schemas.openxmlformats.org/presentationml/2006/main">
+  <p:cSld>
+    <p:spTree>
+      <p:nvGrpSpPr>
+        <p:cNvPr id="1" name=""/>
+        <p:cNvGrpSpPr/>
+        <p:nvPr/>
+      </p:nvGrpSpPr>
+      <p:grpSpPr>
+        <a:xfrm>
+          <a:off x="0" y="0"/>
+          <a:ext cx="0" cy="0"/>
+          <a:chOff x="0" y="0"/>
+          <a:chExt cx="0" cy="0"/>
+        </a:xfrm>
+      </p:grpSpPr>
+      <p:sp>
+        <p:nvSpPr>
+          <p:cNvPr id="2" name="Title 1">
+            <a:extLst>
+              <a:ext uri="{FF2B5EF4-FFF2-40B4-BE49-F238E27FC236}">
+                <a16:creationId xmlns:a16="http://schemas.microsoft.com/office/drawing/2014/main" id="{6C8C63F9-AEDE-44CB-A341-5CB419CAB2AB}"/>
+              </a:ext>
+            </a:extLst>
+          </p:cNvPr>
+          <p:cNvSpPr>
+            <a:spLocks noGrp="1"/>
+          </p:cNvSpPr>
+          <p:nvPr>
+            <p:ph type="title"/>
+          </p:nvPr>
+        </p:nvSpPr>
+        <p:spPr/>
+        <p:txBody>
+          <a:bodyPr/>
+          <a:lstStyle/>
+          <a:p>
+            <a:r>
+              <a:rPr lang="en-US" dirty="0" err="1"/>
+              <a:t>Oportunidades</a:t>
+            </a:r>
+            <a:endParaRPr lang="en-US" dirty="0"/>
+          </a:p>
+        </p:txBody>
+      </p:sp>
+      <p:pic>
+        <p:nvPicPr>
+          <p:cNvPr id="3" name="Picture 2">
+            <a:extLst>
+              <a:ext uri="{FF2B5EF4-FFF2-40B4-BE49-F238E27FC236}">
+                <a16:creationId xmlns:a16="http://schemas.microsoft.com/office/drawing/2014/main" id="{4577039D-CB27-4C1A-84E6-2D6DD77D791F}"/>
+              </a:ext>
+            </a:extLst>
+          </p:cNvPr>
+          <p:cNvPicPr>
+            <a:picLocks noChangeAspect="1"/>
+          </p:cNvPicPr>
+          <p:nvPr/>
+        </p:nvPicPr>
+        <p:blipFill>
+          <a:blip r:embed="rId2"/>
+          <a:stretch>
+            <a:fillRect/>
+          </a:stretch>
+        </p:blipFill>
+        <p:spPr>
+          <a:xfrm>
+            <a:off x="7313610" y="1905000"/>
+            <a:ext cx="3638939" cy="4953000"/>
+          </a:xfrm>
+          <a:prstGeom prst="rect">
+            <a:avLst/>
+          </a:prstGeom>
+        </p:spPr>
+      </p:pic>
+      <p:pic>
+        <p:nvPicPr>
+          <p:cNvPr id="6" name="Picture 5">
+            <a:extLst>
+              <a:ext uri="{FF2B5EF4-FFF2-40B4-BE49-F238E27FC236}">
+                <a16:creationId xmlns:a16="http://schemas.microsoft.com/office/drawing/2014/main" id="{DCE4BC25-97EE-496D-8953-16ACF7ACD425}"/>
+              </a:ext>
+            </a:extLst>
+          </p:cNvPr>
+          <p:cNvPicPr>
+            <a:picLocks noChangeAspect="1"/>
+          </p:cNvPicPr>
+          <p:nvPr/>
+        </p:nvPicPr>
+        <p:blipFill>
+          <a:blip r:embed="rId3"/>
+          <a:stretch>
+            <a:fillRect/>
+          </a:stretch>
+        </p:blipFill>
+        <p:spPr>
+          <a:xfrm>
+            <a:off x="1476375" y="1905000"/>
+            <a:ext cx="5802427" cy="4953000"/>
+          </a:xfrm>
+          <a:prstGeom prst="rect">
+            <a:avLst/>
+          </a:prstGeom>
+        </p:spPr>
+      </p:pic>
+    </p:spTree>
+    <p:extLst>
+      <p:ext uri="{BB962C8B-B14F-4D97-AF65-F5344CB8AC3E}">
+        <p14:creationId xmlns:p14="http://schemas.microsoft.com/office/powerpoint/2010/main" val="96169259"/>
+      </p:ext>
+    </p:extLst>
+  </p:cSld>
+  <p:clrMapOvr>
+    <a:masterClrMapping/>
+  </p:clrMapOvr>
+</p:sld>
+</file>
+
 <file path=ppt/slides/slide2.xml><?xml version="1.0" encoding="utf-8"?>
 <p:sld xmlns:a="http://schemas.openxmlformats.org/drawingml/2006/main" xmlns:r="http://schemas.openxmlformats.org/officeDocument/2006/relationships" xmlns:p="http://schemas.openxmlformats.org/presentationml/2006/main">
   <p:cSld>
@@ -8625,152 +9014,167 @@
             </a:pPr>
             <a:r>
               <a:rPr lang="es-ES" sz="1600" dirty="0"/>
-              <a:t>Las siguientes columnas pueden ser eliminadas:</a:t>
-            </a:r>
-          </a:p>
-          <a:p>
-            <a:r>
-              <a:rPr lang="es-ES" sz="1600" b="1" dirty="0" err="1"/>
+              <a:t>2.1.1 Eliminación de columnas innecesarias:</a:t>
+            </a:r>
+          </a:p>
+          <a:p>
+            <a:r>
+              <a:rPr lang="es-ES" sz="1200" b="1" dirty="0" err="1"/>
               <a:t>Unnamed</a:t>
             </a:r>
             <a:r>
-              <a:rPr lang="es-ES" sz="1600" b="1" dirty="0"/>
+              <a:rPr lang="es-ES" sz="1200" b="1" dirty="0"/>
               <a:t>: 0</a:t>
             </a:r>
             <a:r>
+              <a:rPr lang="es-ES" sz="1200" dirty="0"/>
+              <a:t>:  repite la información del índice autogenerado por pandas</a:t>
+            </a:r>
+          </a:p>
+          <a:p>
+            <a:r>
+              <a:rPr lang="es-ES" sz="1200" b="1" dirty="0"/>
+              <a:t>country</a:t>
+            </a:r>
+            <a:r>
+              <a:rPr lang="es-ES" sz="1200" dirty="0"/>
+              <a:t>: se puede eliminar porque todas las propiedades son de Argentina.</a:t>
+            </a:r>
+          </a:p>
+          <a:p>
+            <a:r>
+              <a:rPr lang="es-ES" sz="1200" b="1" dirty="0" err="1"/>
+              <a:t>geonames_id</a:t>
+            </a:r>
+            <a:r>
+              <a:rPr lang="es-ES" sz="1200" dirty="0"/>
+              <a:t>: no encontramos relevancia sobre la columna ya que la </a:t>
+            </a:r>
+            <a:r>
+              <a:rPr lang="es-ES" sz="1200" dirty="0" err="1"/>
+              <a:t>informacion</a:t>
+            </a:r>
+            <a:r>
+              <a:rPr lang="es-ES" sz="1200" dirty="0"/>
+              <a:t> </a:t>
+            </a:r>
+            <a:r>
+              <a:rPr lang="es-ES" sz="1200" dirty="0" err="1"/>
+              <a:t>geografica</a:t>
+            </a:r>
+            <a:r>
+              <a:rPr lang="es-ES" sz="1200" dirty="0"/>
+              <a:t> faltante puede obtenerse de la columna </a:t>
+            </a:r>
+            <a:r>
+              <a:rPr lang="es-ES" sz="1200" dirty="0" err="1"/>
+              <a:t>place_name</a:t>
+            </a:r>
+            <a:endParaRPr lang="es-ES" sz="1200" dirty="0"/>
+          </a:p>
+          <a:p>
+            <a:r>
+              <a:rPr lang="es-ES" sz="1200" b="1" dirty="0" err="1"/>
+              <a:t>lat-lon</a:t>
+            </a:r>
+            <a:r>
+              <a:rPr lang="es-ES" sz="1200" b="1" dirty="0"/>
+              <a:t>: </a:t>
+            </a:r>
+            <a:r>
+              <a:rPr lang="es-ES" sz="1200" dirty="0"/>
+              <a:t>consolida a las columnas </a:t>
+            </a:r>
+            <a:r>
+              <a:rPr lang="es-ES" sz="1200" dirty="0" err="1"/>
+              <a:t>lat</a:t>
+            </a:r>
+            <a:r>
+              <a:rPr lang="es-ES" sz="1200" dirty="0"/>
+              <a:t> y </a:t>
+            </a:r>
+            <a:r>
+              <a:rPr lang="es-ES" sz="1200" dirty="0" err="1"/>
+              <a:t>lon</a:t>
+            </a:r>
+            <a:r>
+              <a:rPr lang="es-ES" sz="1200" dirty="0"/>
+              <a:t>. Consideramos de mayor utilidad dejar la información de latitud y longitud por separado por lo que se puede eliminar y </a:t>
+            </a:r>
+            <a:r>
+              <a:rPr lang="es-ES" sz="1200" dirty="0" err="1"/>
+              <a:t>asi</a:t>
+            </a:r>
+            <a:r>
+              <a:rPr lang="es-ES" sz="1200" dirty="0"/>
+              <a:t> evitar redundancia. Los datos faltantes de </a:t>
+            </a:r>
+            <a:r>
+              <a:rPr lang="es-ES" sz="1200" dirty="0" err="1"/>
+              <a:t>lat</a:t>
+            </a:r>
+            <a:r>
+              <a:rPr lang="es-ES" sz="1200" dirty="0"/>
+              <a:t> y </a:t>
+            </a:r>
+            <a:r>
+              <a:rPr lang="es-ES" sz="1200" dirty="0" err="1"/>
+              <a:t>lon</a:t>
+            </a:r>
+            <a:r>
+              <a:rPr lang="es-ES" sz="1200" dirty="0"/>
+              <a:t> pueden obtenerse de la columna </a:t>
+            </a:r>
+            <a:r>
+              <a:rPr lang="es-ES" sz="1200" dirty="0" err="1"/>
+              <a:t>place_name</a:t>
+            </a:r>
+            <a:r>
+              <a:rPr lang="es-ES" sz="1200" dirty="0"/>
+              <a:t> como se mencionó anteriormente.</a:t>
+            </a:r>
+          </a:p>
+          <a:p>
+            <a:r>
+              <a:rPr lang="es-ES" sz="1200" b="1" dirty="0" err="1"/>
+              <a:t>properati_url</a:t>
+            </a:r>
+            <a:r>
+              <a:rPr lang="es-ES" sz="1200" b="1" dirty="0"/>
+              <a:t>: </a:t>
+            </a:r>
+            <a:r>
+              <a:rPr lang="es-ES" sz="1200" dirty="0"/>
+              <a:t>carece de utilidad para el presente ejercicio</a:t>
+            </a:r>
+          </a:p>
+          <a:p>
+            <a:r>
+              <a:rPr lang="es-ES" sz="1200" b="1" dirty="0" err="1"/>
+              <a:t>image_thumbnail</a:t>
+            </a:r>
+            <a:r>
+              <a:rPr lang="es-ES" sz="1200" b="1" dirty="0"/>
+              <a:t> </a:t>
+            </a:r>
+            <a:r>
+              <a:rPr lang="es-ES" sz="1200" dirty="0"/>
+              <a:t>carece de utilidad para el presente ejercicio</a:t>
+            </a:r>
+          </a:p>
+          <a:p>
+            <a:pPr marL="0" indent="0">
+              <a:buNone/>
+            </a:pPr>
+            <a:endParaRPr lang="es-ES" sz="1600" dirty="0"/>
+          </a:p>
+          <a:p>
+            <a:pPr marL="0" indent="0">
+              <a:buNone/>
+            </a:pPr>
+            <a:r>
               <a:rPr lang="es-ES" sz="1600" dirty="0"/>
-              <a:t>:  repite la información del índice autogenerado por pandas</a:t>
-            </a:r>
-          </a:p>
-          <a:p>
-            <a:r>
-              <a:rPr lang="es-ES" sz="1600" b="1" dirty="0"/>
-              <a:t>country</a:t>
-            </a:r>
-            <a:r>
-              <a:rPr lang="es-ES" sz="1600" dirty="0"/>
-              <a:t>: se puede eliminar porque todas las propiedades son de Argentina.</a:t>
-            </a:r>
-          </a:p>
-          <a:p>
-            <a:r>
-              <a:rPr lang="es-ES" sz="1600" b="1" dirty="0" err="1"/>
-              <a:t>geonames_id</a:t>
-            </a:r>
-            <a:r>
-              <a:rPr lang="es-ES" sz="1600" dirty="0"/>
-              <a:t>: no encontramos relevancia sobre la columna ya que la </a:t>
-            </a:r>
-            <a:r>
-              <a:rPr lang="es-ES" sz="1600" dirty="0" err="1"/>
-              <a:t>informacion</a:t>
-            </a:r>
-            <a:r>
-              <a:rPr lang="es-ES" sz="1600" dirty="0"/>
-              <a:t> </a:t>
-            </a:r>
-            <a:r>
-              <a:rPr lang="es-ES" sz="1600" dirty="0" err="1"/>
-              <a:t>geografica</a:t>
-            </a:r>
-            <a:r>
-              <a:rPr lang="es-ES" sz="1600" dirty="0"/>
-              <a:t> faltante puede obtenerse de la columna </a:t>
-            </a:r>
-            <a:r>
-              <a:rPr lang="es-ES" sz="1600" dirty="0" err="1"/>
-              <a:t>place_name</a:t>
-            </a:r>
-            <a:endParaRPr lang="es-ES" sz="1600" dirty="0"/>
-          </a:p>
-          <a:p>
-            <a:r>
-              <a:rPr lang="es-ES" sz="1600" b="1" dirty="0" err="1"/>
-              <a:t>lat-lon</a:t>
-            </a:r>
-            <a:r>
-              <a:rPr lang="es-ES" sz="1600" b="1" dirty="0"/>
-              <a:t>: </a:t>
-            </a:r>
-            <a:r>
-              <a:rPr lang="es-ES" sz="1600" dirty="0"/>
-              <a:t>consolida a las columnas </a:t>
-            </a:r>
-            <a:r>
-              <a:rPr lang="es-ES" sz="1600" dirty="0" err="1"/>
-              <a:t>lat</a:t>
-            </a:r>
-            <a:r>
-              <a:rPr lang="es-ES" sz="1600" dirty="0"/>
-              <a:t> y </a:t>
-            </a:r>
-            <a:r>
-              <a:rPr lang="es-ES" sz="1600" dirty="0" err="1"/>
-              <a:t>lon</a:t>
-            </a:r>
-            <a:r>
-              <a:rPr lang="es-ES" sz="1600" dirty="0"/>
-              <a:t>. Consideramos de mayor utilidad dejar la información de latitud y longitud por separado por lo que se puede eliminar y </a:t>
-            </a:r>
-            <a:r>
-              <a:rPr lang="es-ES" sz="1600" dirty="0" err="1"/>
-              <a:t>asi</a:t>
-            </a:r>
-            <a:r>
-              <a:rPr lang="es-ES" sz="1600" dirty="0"/>
-              <a:t> evitar redundancia. Los datos faltantes de </a:t>
-            </a:r>
-            <a:r>
-              <a:rPr lang="es-ES" sz="1600" dirty="0" err="1"/>
-              <a:t>lat</a:t>
-            </a:r>
-            <a:r>
-              <a:rPr lang="es-ES" sz="1600" dirty="0"/>
-              <a:t> y </a:t>
-            </a:r>
-            <a:r>
-              <a:rPr lang="es-ES" sz="1600" dirty="0" err="1"/>
-              <a:t>lon</a:t>
-            </a:r>
-            <a:r>
-              <a:rPr lang="es-ES" sz="1600" dirty="0"/>
-              <a:t> pueden obtenerse de la columna </a:t>
-            </a:r>
-            <a:r>
-              <a:rPr lang="es-ES" sz="1600" dirty="0" err="1"/>
-              <a:t>place_name</a:t>
-            </a:r>
-            <a:r>
-              <a:rPr lang="es-ES" sz="1600" dirty="0"/>
-              <a:t> como se mencionó anteriormente.</a:t>
-            </a:r>
-          </a:p>
-          <a:p>
-            <a:r>
-              <a:rPr lang="es-ES" sz="1600" b="1" dirty="0" err="1"/>
-              <a:t>properati_url</a:t>
-            </a:r>
-            <a:r>
-              <a:rPr lang="es-ES" sz="1600" b="1" dirty="0"/>
-              <a:t>: </a:t>
-            </a:r>
-            <a:r>
-              <a:rPr lang="es-ES" sz="1600" dirty="0"/>
-              <a:t>carece de utilidad para el presente ejercicio</a:t>
-            </a:r>
-          </a:p>
-          <a:p>
-            <a:r>
-              <a:rPr lang="es-ES" sz="1600" b="1" dirty="0" err="1"/>
-              <a:t>image_thumbnail</a:t>
-            </a:r>
-            <a:r>
-              <a:rPr lang="es-ES" sz="1600" b="1" dirty="0"/>
-              <a:t> </a:t>
-            </a:r>
-            <a:r>
-              <a:rPr lang="es-ES" sz="1600" dirty="0"/>
-              <a:t>carece de utilidad para el presente ejercicio</a:t>
+              <a:t>2.1.2 Cambiar el tipo de datos a categórico cuando corresponde</a:t>
             </a:r>
           </a:p>
           <a:p>
@@ -8885,57 +9289,6 @@
       </p:grpSpPr>
       <p:sp>
         <p:nvSpPr>
-          <p:cNvPr id="2" name="Title 1">
-            <a:extLst>
-              <a:ext uri="{FF2B5EF4-FFF2-40B4-BE49-F238E27FC236}">
-                <a16:creationId xmlns:a16="http://schemas.microsoft.com/office/drawing/2014/main" id="{DA6F5FBE-3D15-46C9-9F4C-CDE7EBDA0BF6}"/>
-              </a:ext>
-            </a:extLst>
-          </p:cNvPr>
-          <p:cNvSpPr>
-            <a:spLocks noGrp="1"/>
-          </p:cNvSpPr>
-          <p:nvPr>
-            <p:ph type="title"/>
-          </p:nvPr>
-        </p:nvSpPr>
-        <p:spPr>
-          <a:xfrm>
-            <a:off x="2592925" y="624110"/>
-            <a:ext cx="8911687" cy="704960"/>
-          </a:xfrm>
-        </p:spPr>
-        <p:txBody>
-          <a:bodyPr>
-            <a:normAutofit fontScale="90000"/>
-          </a:bodyPr>
-          <a:lstStyle/>
-          <a:p>
-            <a:r>
-              <a:rPr lang="en-US" sz="3100" b="1" dirty="0"/>
-              <a:t>Step 2</a:t>
-            </a:r>
-            <a:r>
-              <a:rPr lang="en-US" sz="3100" dirty="0"/>
-              <a:t>: </a:t>
-            </a:r>
-            <a:r>
-              <a:rPr lang="en-US" sz="3100" dirty="0" err="1"/>
-              <a:t>Realizar</a:t>
-            </a:r>
-            <a:r>
-              <a:rPr lang="en-US" sz="3100" dirty="0"/>
-              <a:t> Health check del dataset</a:t>
-            </a:r>
-            <a:br>
-              <a:rPr lang="en-US" dirty="0"/>
-            </a:br>
-            <a:endParaRPr lang="en-US" dirty="0"/>
-          </a:p>
-        </p:txBody>
-      </p:sp>
-      <p:sp>
-        <p:nvSpPr>
           <p:cNvPr id="3" name="Content Placeholder 2">
             <a:extLst>
               <a:ext uri="{FF2B5EF4-FFF2-40B4-BE49-F238E27FC236}">
@@ -8952,8 +9305,8 @@
         </p:nvSpPr>
         <p:spPr>
           <a:xfrm>
-            <a:off x="1743740" y="1446028"/>
-            <a:ext cx="9760872" cy="5039832"/>
+            <a:off x="1743740" y="697230"/>
+            <a:ext cx="9760872" cy="5788630"/>
           </a:xfrm>
         </p:spPr>
         <p:txBody>
@@ -8967,6 +9320,31 @@
             </a:pPr>
             <a:r>
               <a:rPr lang="es-ES" sz="1600" dirty="0"/>
+              <a:t>2.1.3 inferir valores faltantes del </a:t>
+            </a:r>
+            <a:r>
+              <a:rPr lang="es-ES" sz="1600" dirty="0" err="1"/>
+              <a:t>feature</a:t>
+            </a:r>
+            <a:r>
+              <a:rPr lang="es-ES" sz="1600" dirty="0"/>
+              <a:t> '</a:t>
+            </a:r>
+            <a:r>
+              <a:rPr lang="es-ES" sz="1600" dirty="0" err="1"/>
+              <a:t>room</a:t>
+            </a:r>
+            <a:r>
+              <a:rPr lang="es-ES" sz="1600" dirty="0"/>
+              <a:t>’ </a:t>
+            </a:r>
+          </a:p>
+          <a:p>
+            <a:pPr marL="0" indent="0">
+              <a:buNone/>
+            </a:pPr>
+            <a:r>
+              <a:rPr lang="es-ES" sz="1600" dirty="0"/>
               <a:t>La columna </a:t>
             </a:r>
             <a:r>
@@ -8999,16 +9377,7 @@
             </a:r>
             <a:r>
               <a:rPr lang="es-ES" sz="1600" dirty="0"/>
-              <a:t>.</a:t>
-            </a:r>
-          </a:p>
-          <a:p>
-            <a:pPr marL="0" indent="0">
-              <a:buNone/>
-            </a:pPr>
-            <a:r>
-              <a:rPr lang="es-ES" sz="1600" dirty="0"/>
-              <a:t>Vemos que previamente a este ejercicio teníamos 52,004 campos con valores para la columna </a:t>
+              <a:t>. Vemos que previamente a este ejercicio teníamos 52,004 campos con valores para la columna </a:t>
             </a:r>
             <a:r>
               <a:rPr lang="es-ES" sz="1600" dirty="0" err="1"/>
@@ -9040,6 +9409,56 @@
             <a:pPr marL="0" indent="0">
               <a:buNone/>
             </a:pPr>
+            <a:endParaRPr lang="es-ES" sz="1600" dirty="0"/>
+          </a:p>
+          <a:p>
+            <a:pPr marL="0" indent="0">
+              <a:buNone/>
+            </a:pPr>
+            <a:r>
+              <a:rPr lang="en-US" sz="1600" dirty="0"/>
+              <a:t>2.1.4 </a:t>
+            </a:r>
+            <a:r>
+              <a:rPr lang="en-US" sz="1600" dirty="0" err="1"/>
+              <a:t>Trabajamos</a:t>
+            </a:r>
+            <a:r>
+              <a:rPr lang="en-US" sz="1600" dirty="0"/>
+              <a:t> </a:t>
+            </a:r>
+            <a:r>
+              <a:rPr lang="en-US" sz="1600" dirty="0" err="1"/>
+              <a:t>sobre</a:t>
+            </a:r>
+            <a:r>
+              <a:rPr lang="en-US" sz="1600" dirty="0"/>
+              <a:t> los features `</a:t>
+            </a:r>
+            <a:r>
+              <a:rPr lang="en-US" sz="1600" dirty="0" err="1"/>
+              <a:t>place_with_parent_names</a:t>
+            </a:r>
+            <a:r>
+              <a:rPr lang="en-US" sz="1600" dirty="0"/>
+              <a:t>` , `country`, `</a:t>
+            </a:r>
+            <a:r>
+              <a:rPr lang="en-US" sz="1600" dirty="0" err="1"/>
+              <a:t>state_name</a:t>
+            </a:r>
+            <a:r>
+              <a:rPr lang="en-US" sz="1600" dirty="0"/>
+              <a:t>` y `</a:t>
+            </a:r>
+            <a:r>
+              <a:rPr lang="en-US" sz="1600" dirty="0" err="1"/>
+              <a:t>place_name</a:t>
+            </a:r>
+            <a:r>
+              <a:rPr lang="en-US" sz="1600" dirty="0"/>
+              <a:t>`</a:t>
+            </a:r>
             <a:endParaRPr lang="es-ES" sz="1600" dirty="0"/>
           </a:p>
           <a:p>
@@ -9171,57 +9590,6 @@
       </p:grpSpPr>
       <p:sp>
         <p:nvSpPr>
-          <p:cNvPr id="2" name="Title 1">
-            <a:extLst>
-              <a:ext uri="{FF2B5EF4-FFF2-40B4-BE49-F238E27FC236}">
-                <a16:creationId xmlns:a16="http://schemas.microsoft.com/office/drawing/2014/main" id="{DA6F5FBE-3D15-46C9-9F4C-CDE7EBDA0BF6}"/>
-              </a:ext>
-            </a:extLst>
-          </p:cNvPr>
-          <p:cNvSpPr>
-            <a:spLocks noGrp="1"/>
-          </p:cNvSpPr>
-          <p:nvPr>
-            <p:ph type="title"/>
-          </p:nvPr>
-        </p:nvSpPr>
-        <p:spPr>
-          <a:xfrm>
-            <a:off x="2592925" y="624110"/>
-            <a:ext cx="8911687" cy="704960"/>
-          </a:xfrm>
-        </p:spPr>
-        <p:txBody>
-          <a:bodyPr>
-            <a:normAutofit fontScale="90000"/>
-          </a:bodyPr>
-          <a:lstStyle/>
-          <a:p>
-            <a:r>
-              <a:rPr lang="en-US" sz="3100" b="1" dirty="0"/>
-              <a:t>Step 2</a:t>
-            </a:r>
-            <a:r>
-              <a:rPr lang="en-US" sz="3100" dirty="0"/>
-              <a:t>: </a:t>
-            </a:r>
-            <a:r>
-              <a:rPr lang="en-US" sz="3100" dirty="0" err="1"/>
-              <a:t>Realizar</a:t>
-            </a:r>
-            <a:r>
-              <a:rPr lang="en-US" sz="3100" dirty="0"/>
-              <a:t> Health check del dataset</a:t>
-            </a:r>
-            <a:br>
-              <a:rPr lang="en-US" dirty="0"/>
-            </a:br>
-            <a:endParaRPr lang="en-US" dirty="0"/>
-          </a:p>
-        </p:txBody>
-      </p:sp>
-      <p:sp>
-        <p:nvSpPr>
           <p:cNvPr id="3" name="Content Placeholder 2">
             <a:extLst>
               <a:ext uri="{FF2B5EF4-FFF2-40B4-BE49-F238E27FC236}">
@@ -9238,13 +9606,13 @@
         </p:nvSpPr>
         <p:spPr>
           <a:xfrm>
-            <a:off x="1743740" y="1446028"/>
-            <a:ext cx="9760872" cy="5039832"/>
+            <a:off x="800312" y="1387549"/>
+            <a:ext cx="5890774" cy="5039832"/>
           </a:xfrm>
         </p:spPr>
         <p:txBody>
           <a:bodyPr>
-            <a:normAutofit/>
+            <a:normAutofit lnSpcReduction="10000"/>
           </a:bodyPr>
           <a:lstStyle/>
           <a:p>
@@ -9253,7 +9621,7 @@
             </a:pPr>
             <a:r>
               <a:rPr lang="es-ES" sz="1600" dirty="0"/>
-              <a:t>Luego avanzamos con el análisis de las columnas relacionadas con precios:</a:t>
+              <a:t>2.1.6 Trabajamos con las columnas de Precios para detectar inconsistencias y completar valores que puedan ser deducidos</a:t>
             </a:r>
           </a:p>
           <a:p>
@@ -9303,8 +9671,12 @@
               <a:buNone/>
             </a:pPr>
             <a:r>
+              <a:rPr lang="es-ES" sz="1600" b="1" dirty="0"/>
+              <a:t>Eliminamos 4,733 filas (4%) </a:t>
+            </a:r>
+            <a:r>
               <a:rPr lang="es-ES" sz="1600" dirty="0"/>
-              <a:t>Eliminamos 4,733 filas (4%) que detectamos que no se podía recuperar información de precios.</a:t>
+              <a:t>que detectamos que no se podía recuperar información de precios.</a:t>
             </a:r>
           </a:p>
           <a:p>
@@ -9391,6 +9763,36 @@
           </a:p>
         </p:txBody>
       </p:sp>
+      <p:pic>
+        <p:nvPicPr>
+          <p:cNvPr id="4" name="Picture 3">
+            <a:extLst>
+              <a:ext uri="{FF2B5EF4-FFF2-40B4-BE49-F238E27FC236}">
+                <a16:creationId xmlns:a16="http://schemas.microsoft.com/office/drawing/2014/main" id="{4741F0BB-BCD1-46B6-8E2D-0482BE903A93}"/>
+              </a:ext>
+            </a:extLst>
+          </p:cNvPr>
+          <p:cNvPicPr>
+            <a:picLocks noChangeAspect="1"/>
+          </p:cNvPicPr>
+          <p:nvPr/>
+        </p:nvPicPr>
+        <p:blipFill>
+          <a:blip r:embed="rId2"/>
+          <a:stretch>
+            <a:fillRect/>
+          </a:stretch>
+        </p:blipFill>
+        <p:spPr>
+          <a:xfrm>
+            <a:off x="6828065" y="1313785"/>
+            <a:ext cx="5067300" cy="5172075"/>
+          </a:xfrm>
+          <a:prstGeom prst="rect">
+            <a:avLst/>
+          </a:prstGeom>
+        </p:spPr>
+      </p:pic>
     </p:spTree>
     <p:extLst>
       <p:ext uri="{BB962C8B-B14F-4D97-AF65-F5344CB8AC3E}">
@@ -9421,136 +9823,94 @@
           <a:chExt cx="0" cy="0"/>
         </a:xfrm>
       </p:grpSpPr>
-      <p:sp>
-        <p:nvSpPr>
-          <p:cNvPr id="2" name="Title 1">
+      <p:pic>
+        <p:nvPicPr>
+          <p:cNvPr id="8" name="Picture 7">
             <a:extLst>
               <a:ext uri="{FF2B5EF4-FFF2-40B4-BE49-F238E27FC236}">
-                <a16:creationId xmlns:a16="http://schemas.microsoft.com/office/drawing/2014/main" id="{DA6F5FBE-3D15-46C9-9F4C-CDE7EBDA0BF6}"/>
+                <a16:creationId xmlns:a16="http://schemas.microsoft.com/office/drawing/2014/main" id="{3D3B5F14-EC4D-4531-A8C1-040982AB6D0E}"/>
               </a:ext>
             </a:extLst>
           </p:cNvPr>
-          <p:cNvSpPr>
-            <a:spLocks noGrp="1"/>
-          </p:cNvSpPr>
-          <p:nvPr>
-            <p:ph type="title"/>
-          </p:nvPr>
-        </p:nvSpPr>
+          <p:cNvPicPr>
+            <a:picLocks noChangeAspect="1"/>
+          </p:cNvPicPr>
+          <p:nvPr/>
+        </p:nvPicPr>
+        <p:blipFill rotWithShape="1">
+          <a:blip r:embed="rId2"/>
+          <a:srcRect r="4387"/>
+          <a:stretch/>
+        </p:blipFill>
         <p:spPr>
           <a:xfrm>
-            <a:off x="2592925" y="624110"/>
-            <a:ext cx="8911687" cy="704960"/>
+            <a:off x="3336698" y="102853"/>
+            <a:ext cx="6924902" cy="2151847"/>
           </a:xfrm>
+          <a:prstGeom prst="rect">
+            <a:avLst/>
+          </a:prstGeom>
         </p:spPr>
-        <p:txBody>
-          <a:bodyPr>
-            <a:normAutofit fontScale="90000"/>
-          </a:bodyPr>
-          <a:lstStyle/>
-          <a:p>
-            <a:r>
-              <a:rPr lang="en-US" sz="3100" b="1" dirty="0"/>
-              <a:t>Step 2</a:t>
-            </a:r>
-            <a:r>
-              <a:rPr lang="en-US" sz="3100" dirty="0"/>
-              <a:t>: </a:t>
-            </a:r>
-            <a:r>
-              <a:rPr lang="en-US" sz="3100" dirty="0" err="1"/>
-              <a:t>Realizar</a:t>
-            </a:r>
-            <a:r>
-              <a:rPr lang="en-US" sz="3100" dirty="0"/>
-              <a:t> Health check del dataset</a:t>
-            </a:r>
-            <a:br>
-              <a:rPr lang="en-US" dirty="0"/>
-            </a:br>
-            <a:endParaRPr lang="en-US" dirty="0"/>
-          </a:p>
-        </p:txBody>
-      </p:sp>
-      <p:sp>
-        <p:nvSpPr>
-          <p:cNvPr id="3" name="Content Placeholder 2">
+      </p:pic>
+      <p:pic>
+        <p:nvPicPr>
+          <p:cNvPr id="9" name="Picture 8">
             <a:extLst>
               <a:ext uri="{FF2B5EF4-FFF2-40B4-BE49-F238E27FC236}">
-                <a16:creationId xmlns:a16="http://schemas.microsoft.com/office/drawing/2014/main" id="{EFA96297-5D9E-4C51-AA4B-7EBE83EF1413}"/>
+                <a16:creationId xmlns:a16="http://schemas.microsoft.com/office/drawing/2014/main" id="{F62FFC4F-8A97-46F4-85D2-005906E74A7C}"/>
               </a:ext>
             </a:extLst>
           </p:cNvPr>
-          <p:cNvSpPr>
-            <a:spLocks noGrp="1"/>
-          </p:cNvSpPr>
-          <p:nvPr>
-            <p:ph idx="1"/>
-          </p:nvPr>
-        </p:nvSpPr>
+          <p:cNvPicPr>
+            <a:picLocks noChangeAspect="1"/>
+          </p:cNvPicPr>
+          <p:nvPr/>
+        </p:nvPicPr>
+        <p:blipFill rotWithShape="1">
+          <a:blip r:embed="rId3"/>
+          <a:srcRect r="1540"/>
+          <a:stretch/>
+        </p:blipFill>
         <p:spPr>
           <a:xfrm>
-            <a:off x="1743740" y="1446028"/>
-            <a:ext cx="9760872" cy="5039832"/>
+            <a:off x="3336697" y="2363908"/>
+            <a:ext cx="6924903" cy="2130184"/>
           </a:xfrm>
+          <a:prstGeom prst="rect">
+            <a:avLst/>
+          </a:prstGeom>
         </p:spPr>
-        <p:txBody>
-          <a:bodyPr>
-            <a:normAutofit/>
-          </a:bodyPr>
-          <a:lstStyle/>
-          <a:p>
-            <a:pPr marL="0" indent="0">
-              <a:buNone/>
-            </a:pPr>
-            <a:r>
-              <a:rPr lang="es-ES" sz="1600" dirty="0"/>
-              <a:t>Luego avanzamos con el análisis de las columnas relacionadas con superficies:</a:t>
-            </a:r>
-          </a:p>
-          <a:p>
-            <a:pPr lvl="1"/>
-            <a:r>
-              <a:rPr lang="es-ES" sz="1400" dirty="0"/>
-              <a:t>surface_total_in_m2       </a:t>
-            </a:r>
-          </a:p>
-          <a:p>
-            <a:pPr lvl="1"/>
-            <a:r>
-              <a:rPr lang="es-ES" sz="1400" dirty="0"/>
-              <a:t>surface_covered_in_m2 </a:t>
-            </a:r>
-          </a:p>
-          <a:p>
-            <a:pPr lvl="1"/>
-            <a:r>
-              <a:rPr lang="es-ES" sz="1400" dirty="0"/>
-              <a:t>price_usd_per_m2 </a:t>
-            </a:r>
-          </a:p>
-          <a:p>
-            <a:pPr lvl="1"/>
-            <a:r>
-              <a:rPr lang="es-ES" sz="1400" dirty="0"/>
-              <a:t>price_per_m2</a:t>
-            </a:r>
-          </a:p>
-          <a:p>
-            <a:pPr lvl="1"/>
-            <a:endParaRPr lang="es-ES" sz="1400" dirty="0"/>
-          </a:p>
-          <a:p>
-            <a:pPr marL="0" indent="0">
-              <a:buNone/>
-            </a:pPr>
-            <a:r>
-              <a:rPr lang="es-ES" sz="1600" dirty="0"/>
-              <a:t>Eliminamos </a:t>
-            </a:r>
-          </a:p>
-        </p:txBody>
-      </p:sp>
+      </p:pic>
+      <p:pic>
+        <p:nvPicPr>
+          <p:cNvPr id="10" name="Picture 9">
+            <a:extLst>
+              <a:ext uri="{FF2B5EF4-FFF2-40B4-BE49-F238E27FC236}">
+                <a16:creationId xmlns:a16="http://schemas.microsoft.com/office/drawing/2014/main" id="{72A2B107-84A3-4611-A561-276C01D521D2}"/>
+              </a:ext>
+            </a:extLst>
+          </p:cNvPr>
+          <p:cNvPicPr>
+            <a:picLocks noChangeAspect="1"/>
+          </p:cNvPicPr>
+          <p:nvPr/>
+        </p:nvPicPr>
+        <p:blipFill>
+          <a:blip r:embed="rId4"/>
+          <a:stretch>
+            <a:fillRect/>
+          </a:stretch>
+        </p:blipFill>
+        <p:spPr>
+          <a:xfrm>
+            <a:off x="3336697" y="4603300"/>
+            <a:ext cx="6924903" cy="2137405"/>
+          </a:xfrm>
+          <a:prstGeom prst="rect">
+            <a:avLst/>
+          </a:prstGeom>
+        </p:spPr>
+      </p:pic>
     </p:spTree>
     <p:extLst>
       <p:ext uri="{BB962C8B-B14F-4D97-AF65-F5344CB8AC3E}">
@@ -9581,56 +9941,36 @@
           <a:chExt cx="0" cy="0"/>
         </a:xfrm>
       </p:grpSpPr>
-      <p:sp>
-        <p:nvSpPr>
-          <p:cNvPr id="2" name="Title 1">
+      <p:pic>
+        <p:nvPicPr>
+          <p:cNvPr id="5" name="Picture 4">
             <a:extLst>
               <a:ext uri="{FF2B5EF4-FFF2-40B4-BE49-F238E27FC236}">
-                <a16:creationId xmlns:a16="http://schemas.microsoft.com/office/drawing/2014/main" id="{1D5C5170-EF85-4C06-A41E-90A8EB9563EB}"/>
+                <a16:creationId xmlns:a16="http://schemas.microsoft.com/office/drawing/2014/main" id="{2D618C08-CE82-4A54-9CC6-48E21F32F52B}"/>
               </a:ext>
             </a:extLst>
           </p:cNvPr>
-          <p:cNvSpPr>
-            <a:spLocks noGrp="1"/>
-          </p:cNvSpPr>
-          <p:nvPr>
-            <p:ph type="title"/>
-          </p:nvPr>
-        </p:nvSpPr>
-        <p:spPr/>
-        <p:txBody>
-          <a:bodyPr/>
-          <a:lstStyle/>
-          <a:p>
-            <a:endParaRPr lang="en-US"/>
-          </a:p>
-        </p:txBody>
-      </p:sp>
-      <p:sp>
-        <p:nvSpPr>
-          <p:cNvPr id="3" name="Content Placeholder 2">
-            <a:extLst>
-              <a:ext uri="{FF2B5EF4-FFF2-40B4-BE49-F238E27FC236}">
-                <a16:creationId xmlns:a16="http://schemas.microsoft.com/office/drawing/2014/main" id="{1F2303BD-D258-46C1-9B3B-BC59D47E498C}"/>
-              </a:ext>
-            </a:extLst>
-          </p:cNvPr>
-          <p:cNvSpPr>
-            <a:spLocks noGrp="1"/>
-          </p:cNvSpPr>
-          <p:nvPr>
-            <p:ph idx="1"/>
-          </p:nvPr>
-        </p:nvSpPr>
-        <p:spPr/>
-        <p:txBody>
-          <a:bodyPr/>
-          <a:lstStyle/>
-          <a:p>
-            <a:endParaRPr lang="en-US"/>
-          </a:p>
-        </p:txBody>
-      </p:sp>
+          <p:cNvPicPr>
+            <a:picLocks noChangeAspect="1"/>
+          </p:cNvPicPr>
+          <p:nvPr/>
+        </p:nvPicPr>
+        <p:blipFill>
+          <a:blip r:embed="rId2"/>
+          <a:stretch>
+            <a:fillRect/>
+          </a:stretch>
+        </p:blipFill>
+        <p:spPr>
+          <a:xfrm>
+            <a:off x="2609850" y="300037"/>
+            <a:ext cx="6972300" cy="6257925"/>
+          </a:xfrm>
+          <a:prstGeom prst="rect">
+            <a:avLst/>
+          </a:prstGeom>
+        </p:spPr>
+      </p:pic>
     </p:spTree>
     <p:extLst>
       <p:ext uri="{BB962C8B-B14F-4D97-AF65-F5344CB8AC3E}">
@@ -9661,52 +10001,113 @@
           <a:chExt cx="0" cy="0"/>
         </a:xfrm>
       </p:grpSpPr>
-      <p:sp>
-        <p:nvSpPr>
-          <p:cNvPr id="2" name="Title 1">
+      <p:pic>
+        <p:nvPicPr>
+          <p:cNvPr id="4" name="Picture 3">
             <a:extLst>
               <a:ext uri="{FF2B5EF4-FFF2-40B4-BE49-F238E27FC236}">
-                <a16:creationId xmlns:a16="http://schemas.microsoft.com/office/drawing/2014/main" id="{0A9D4A8A-2F51-48E0-926C-136001FE72A1}"/>
+                <a16:creationId xmlns:a16="http://schemas.microsoft.com/office/drawing/2014/main" id="{AE154625-DCFE-410D-B83C-309F92EB40AB}"/>
               </a:ext>
             </a:extLst>
           </p:cNvPr>
-          <p:cNvSpPr>
-            <a:spLocks noGrp="1"/>
-          </p:cNvSpPr>
-          <p:nvPr>
-            <p:ph type="title"/>
-          </p:nvPr>
-        </p:nvSpPr>
-        <p:spPr/>
-        <p:txBody>
-          <a:bodyPr/>
-          <a:lstStyle/>
-          <a:p>
-            <a:endParaRPr lang="en-US"/>
-          </a:p>
-        </p:txBody>
-      </p:sp>
-      <p:sp>
-        <p:nvSpPr>
-          <p:cNvPr id="3" name="Content Placeholder 2">
+          <p:cNvPicPr>
+            <a:picLocks noChangeAspect="1"/>
+          </p:cNvPicPr>
+          <p:nvPr/>
+        </p:nvPicPr>
+        <p:blipFill>
+          <a:blip r:embed="rId2"/>
+          <a:stretch>
+            <a:fillRect/>
+          </a:stretch>
+        </p:blipFill>
+        <p:spPr>
+          <a:xfrm>
+            <a:off x="4008437" y="460601"/>
+            <a:ext cx="5800725" cy="2714625"/>
+          </a:xfrm>
+          <a:prstGeom prst="rect">
+            <a:avLst/>
+          </a:prstGeom>
+        </p:spPr>
+      </p:pic>
+      <p:pic>
+        <p:nvPicPr>
+          <p:cNvPr id="5" name="Picture 4">
             <a:extLst>
               <a:ext uri="{FF2B5EF4-FFF2-40B4-BE49-F238E27FC236}">
-                <a16:creationId xmlns:a16="http://schemas.microsoft.com/office/drawing/2014/main" id="{DEEAFDF4-C23F-4293-AA85-245A1DBC2633}"/>
+                <a16:creationId xmlns:a16="http://schemas.microsoft.com/office/drawing/2014/main" id="{FC98E135-191E-4AEF-B692-0392BC8A10D1}"/>
               </a:ext>
             </a:extLst>
           </p:cNvPr>
-          <p:cNvSpPr>
-            <a:spLocks noGrp="1"/>
-          </p:cNvSpPr>
-          <p:nvPr>
-            <p:ph idx="1"/>
-          </p:nvPr>
-        </p:nvSpPr>
-        <p:spPr/>
-        <p:txBody>
-          <a:bodyPr/>
+          <p:cNvPicPr>
+            <a:picLocks noChangeAspect="1"/>
+          </p:cNvPicPr>
+          <p:nvPr/>
+        </p:nvPicPr>
+        <p:blipFill>
+          <a:blip r:embed="rId3"/>
+          <a:stretch>
+            <a:fillRect/>
+          </a:stretch>
+        </p:blipFill>
+        <p:spPr>
+          <a:xfrm>
+            <a:off x="3827462" y="3206524"/>
+            <a:ext cx="5981700" cy="3190875"/>
+          </a:xfrm>
+          <a:prstGeom prst="rect">
+            <a:avLst/>
+          </a:prstGeom>
+        </p:spPr>
+      </p:pic>
+      <p:sp>
+        <p:nvSpPr>
+          <p:cNvPr id="6" name="Oval 5">
+            <a:extLst>
+              <a:ext uri="{FF2B5EF4-FFF2-40B4-BE49-F238E27FC236}">
+                <a16:creationId xmlns:a16="http://schemas.microsoft.com/office/drawing/2014/main" id="{5BF703CF-8C13-46D6-8D4E-87E21E21F9A6}"/>
+              </a:ext>
+            </a:extLst>
+          </p:cNvPr>
+          <p:cNvSpPr/>
+          <p:nvPr/>
+        </p:nvSpPr>
+        <p:spPr>
+          <a:xfrm>
+            <a:off x="4786447" y="2403088"/>
+            <a:ext cx="437969" cy="397736"/>
+          </a:xfrm>
+          <a:prstGeom prst="ellipse">
+            <a:avLst/>
+          </a:prstGeom>
+          <a:solidFill>
+            <a:srgbClr val="FF0000">
+              <a:alpha val="32000"/>
+            </a:srgbClr>
+          </a:solidFill>
+        </p:spPr>
+        <p:style>
+          <a:lnRef idx="2">
+            <a:schemeClr val="accent1">
+              <a:shade val="50000"/>
+            </a:schemeClr>
+          </a:lnRef>
+          <a:fillRef idx="1">
+            <a:schemeClr val="accent1"/>
+          </a:fillRef>
+          <a:effectRef idx="0">
+            <a:schemeClr val="accent1"/>
+          </a:effectRef>
+          <a:fontRef idx="minor">
+            <a:schemeClr val="lt1"/>
+          </a:fontRef>
+        </p:style>
+        <p:txBody>
+          <a:bodyPr rtlCol="0" anchor="ctr"/>
           <a:lstStyle/>
           <a:p>
+            <a:pPr algn="ctr"/>
             <a:endParaRPr lang="en-US"/>
           </a:p>
         </p:txBody>
